--- a/saved-figures/main/PowerPoint-join-figures/CreateFig3.pptx
+++ b/saved-figures/main/PowerPoint-join-figures/CreateFig3.pptx
@@ -288,7 +288,7 @@
           <a:p>
             <a:fld id="{74CACABB-29AE-EE42-9C73-D55F86935B2B}" type="datetimeFigureOut">
               <a:rPr lang="en-US" smtClean="0"/>
-              <a:t>18/12/19</a:t>
+              <a:t>26/01/20</a:t>
             </a:fld>
             <a:endParaRPr lang="en-GB"/>
           </a:p>
@@ -458,7 +458,7 @@
           <a:p>
             <a:fld id="{74CACABB-29AE-EE42-9C73-D55F86935B2B}" type="datetimeFigureOut">
               <a:rPr lang="en-US" smtClean="0"/>
-              <a:t>18/12/19</a:t>
+              <a:t>26/01/20</a:t>
             </a:fld>
             <a:endParaRPr lang="en-GB"/>
           </a:p>
@@ -638,7 +638,7 @@
           <a:p>
             <a:fld id="{74CACABB-29AE-EE42-9C73-D55F86935B2B}" type="datetimeFigureOut">
               <a:rPr lang="en-US" smtClean="0"/>
-              <a:t>18/12/19</a:t>
+              <a:t>26/01/20</a:t>
             </a:fld>
             <a:endParaRPr lang="en-GB"/>
           </a:p>
@@ -808,7 +808,7 @@
           <a:p>
             <a:fld id="{74CACABB-29AE-EE42-9C73-D55F86935B2B}" type="datetimeFigureOut">
               <a:rPr lang="en-US" smtClean="0"/>
-              <a:t>18/12/19</a:t>
+              <a:t>26/01/20</a:t>
             </a:fld>
             <a:endParaRPr lang="en-GB"/>
           </a:p>
@@ -1054,7 +1054,7 @@
           <a:p>
             <a:fld id="{74CACABB-29AE-EE42-9C73-D55F86935B2B}" type="datetimeFigureOut">
               <a:rPr lang="en-US" smtClean="0"/>
-              <a:t>18/12/19</a:t>
+              <a:t>26/01/20</a:t>
             </a:fld>
             <a:endParaRPr lang="en-GB"/>
           </a:p>
@@ -1342,7 +1342,7 @@
           <a:p>
             <a:fld id="{74CACABB-29AE-EE42-9C73-D55F86935B2B}" type="datetimeFigureOut">
               <a:rPr lang="en-US" smtClean="0"/>
-              <a:t>18/12/19</a:t>
+              <a:t>26/01/20</a:t>
             </a:fld>
             <a:endParaRPr lang="en-GB"/>
           </a:p>
@@ -1764,7 +1764,7 @@
           <a:p>
             <a:fld id="{74CACABB-29AE-EE42-9C73-D55F86935B2B}" type="datetimeFigureOut">
               <a:rPr lang="en-US" smtClean="0"/>
-              <a:t>18/12/19</a:t>
+              <a:t>26/01/20</a:t>
             </a:fld>
             <a:endParaRPr lang="en-GB"/>
           </a:p>
@@ -1882,7 +1882,7 @@
           <a:p>
             <a:fld id="{74CACABB-29AE-EE42-9C73-D55F86935B2B}" type="datetimeFigureOut">
               <a:rPr lang="en-US" smtClean="0"/>
-              <a:t>18/12/19</a:t>
+              <a:t>26/01/20</a:t>
             </a:fld>
             <a:endParaRPr lang="en-GB"/>
           </a:p>
@@ -1977,7 +1977,7 @@
           <a:p>
             <a:fld id="{74CACABB-29AE-EE42-9C73-D55F86935B2B}" type="datetimeFigureOut">
               <a:rPr lang="en-US" smtClean="0"/>
-              <a:t>18/12/19</a:t>
+              <a:t>26/01/20</a:t>
             </a:fld>
             <a:endParaRPr lang="en-GB"/>
           </a:p>
@@ -2254,7 +2254,7 @@
           <a:p>
             <a:fld id="{74CACABB-29AE-EE42-9C73-D55F86935B2B}" type="datetimeFigureOut">
               <a:rPr lang="en-US" smtClean="0"/>
-              <a:t>18/12/19</a:t>
+              <a:t>26/01/20</a:t>
             </a:fld>
             <a:endParaRPr lang="en-GB"/>
           </a:p>
@@ -2507,7 +2507,7 @@
           <a:p>
             <a:fld id="{74CACABB-29AE-EE42-9C73-D55F86935B2B}" type="datetimeFigureOut">
               <a:rPr lang="en-US" smtClean="0"/>
-              <a:t>18/12/19</a:t>
+              <a:t>26/01/20</a:t>
             </a:fld>
             <a:endParaRPr lang="en-GB"/>
           </a:p>
@@ -2720,7 +2720,7 @@
           <a:p>
             <a:fld id="{74CACABB-29AE-EE42-9C73-D55F86935B2B}" type="datetimeFigureOut">
               <a:rPr lang="en-US" smtClean="0"/>
-              <a:t>18/12/19</a:t>
+              <a:t>26/01/20</a:t>
             </a:fld>
             <a:endParaRPr lang="en-GB"/>
           </a:p>
